--- a/EDLEXIC.pptx
+++ b/EDLEXIC.pptx
@@ -5,27 +5,26 @@
     <p:sldMasterId id="2147483658" r:id="rId1"/>
   </p:sldMasterIdLst>
   <p:notesMasterIdLst>
-    <p:notesMasterId r:id="rId12"/>
+    <p:notesMasterId r:id="rId11"/>
   </p:notesMasterIdLst>
   <p:sldIdLst>
-    <p:sldId id="307" r:id="rId2"/>
-    <p:sldId id="256" r:id="rId3"/>
-    <p:sldId id="299" r:id="rId4"/>
-    <p:sldId id="258" r:id="rId5"/>
-    <p:sldId id="302" r:id="rId6"/>
-    <p:sldId id="308" r:id="rId7"/>
-    <p:sldId id="305" r:id="rId8"/>
-    <p:sldId id="257" r:id="rId9"/>
-    <p:sldId id="309" r:id="rId10"/>
-    <p:sldId id="278" r:id="rId11"/>
+    <p:sldId id="256" r:id="rId2"/>
+    <p:sldId id="299" r:id="rId3"/>
+    <p:sldId id="258" r:id="rId4"/>
+    <p:sldId id="302" r:id="rId5"/>
+    <p:sldId id="308" r:id="rId6"/>
+    <p:sldId id="305" r:id="rId7"/>
+    <p:sldId id="257" r:id="rId8"/>
+    <p:sldId id="309" r:id="rId9"/>
+    <p:sldId id="278" r:id="rId10"/>
   </p:sldIdLst>
   <p:sldSz cx="9144000" cy="5143500" type="screen16x9"/>
   <p:notesSz cx="6858000" cy="9144000"/>
   <p:embeddedFontLst>
     <p:embeddedFont>
       <p:font typeface="Quicksand" panose="020B0604020202020204" charset="0"/>
-      <p:regular r:id="rId13"/>
-      <p:bold r:id="rId14"/>
+      <p:regular r:id="rId12"/>
+      <p:bold r:id="rId13"/>
     </p:embeddedFont>
   </p:embeddedFontLst>
   <p:defaultTextStyle>
@@ -803,115 +802,6 @@
         </p:txBody>
       </p:sp>
     </p:spTree>
-    <p:extLst>
-      <p:ext uri="{BB962C8B-B14F-4D97-AF65-F5344CB8AC3E}">
-        <p14:creationId xmlns:p14="http://schemas.microsoft.com/office/powerpoint/2010/main" val="3380438591"/>
-      </p:ext>
-    </p:extLst>
-  </p:cSld>
-  <p:clrMapOvr>
-    <a:masterClrMapping/>
-  </p:clrMapOvr>
-</p:notes>
-</file>
-
-<file path=ppt/notesSlides/notesSlide10.xml><?xml version="1.0" encoding="utf-8"?>
-<p:notes xmlns:a="http://schemas.openxmlformats.org/drawingml/2006/main" xmlns:r="http://schemas.openxmlformats.org/officeDocument/2006/relationships" xmlns:p="http://schemas.openxmlformats.org/presentationml/2006/main" showMasterSp="0" showMasterPhAnim="0">
-  <p:cSld>
-    <p:spTree>
-      <p:nvGrpSpPr>
-        <p:cNvPr id="1" name="Shape 331"/>
-        <p:cNvGrpSpPr/>
-        <p:nvPr/>
-      </p:nvGrpSpPr>
-      <p:grpSpPr>
-        <a:xfrm>
-          <a:off x="0" y="0"/>
-          <a:ext cx="0" cy="0"/>
-          <a:chOff x="0" y="0"/>
-          <a:chExt cx="0" cy="0"/>
-        </a:xfrm>
-      </p:grpSpPr>
-      <p:sp>
-        <p:nvSpPr>
-          <p:cNvPr id="332" name="Google Shape;332;g35ed75ccf_022:notes"/>
-          <p:cNvSpPr>
-            <a:spLocks noGrp="1" noRot="1" noChangeAspect="1"/>
-          </p:cNvSpPr>
-          <p:nvPr>
-            <p:ph type="sldImg" idx="2"/>
-          </p:nvPr>
-        </p:nvSpPr>
-        <p:spPr>
-          <a:xfrm>
-            <a:off x="381000" y="685800"/>
-            <a:ext cx="6096000" cy="3429000"/>
-          </a:xfrm>
-          <a:custGeom>
-            <a:avLst/>
-            <a:gdLst/>
-            <a:ahLst/>
-            <a:cxnLst/>
-            <a:rect l="l" t="t" r="r" b="b"/>
-            <a:pathLst>
-              <a:path w="120000" h="120000" extrusionOk="0">
-                <a:moveTo>
-                  <a:pt x="0" y="0"/>
-                </a:moveTo>
-                <a:lnTo>
-                  <a:pt x="120000" y="0"/>
-                </a:lnTo>
-                <a:lnTo>
-                  <a:pt x="120000" y="120000"/>
-                </a:lnTo>
-                <a:lnTo>
-                  <a:pt x="0" y="120000"/>
-                </a:lnTo>
-                <a:close/>
-              </a:path>
-            </a:pathLst>
-          </a:custGeom>
-        </p:spPr>
-      </p:sp>
-      <p:sp>
-        <p:nvSpPr>
-          <p:cNvPr id="333" name="Google Shape;333;g35ed75ccf_022:notes"/>
-          <p:cNvSpPr txBox="1">
-            <a:spLocks noGrp="1"/>
-          </p:cNvSpPr>
-          <p:nvPr>
-            <p:ph type="body" idx="1"/>
-          </p:nvPr>
-        </p:nvSpPr>
-        <p:spPr>
-          <a:xfrm>
-            <a:off x="685800" y="4343400"/>
-            <a:ext cx="5486400" cy="4114800"/>
-          </a:xfrm>
-          <a:prstGeom prst="rect">
-            <a:avLst/>
-          </a:prstGeom>
-        </p:spPr>
-        <p:txBody>
-          <a:bodyPr spcFirstLastPara="1" wrap="square" lIns="91425" tIns="91425" rIns="91425" bIns="91425" anchor="t" anchorCtr="0">
-            <a:noAutofit/>
-          </a:bodyPr>
-          <a:lstStyle/>
-          <a:p>
-            <a:pPr marL="0" lvl="0" indent="0" algn="l" rtl="0">
-              <a:spcBef>
-                <a:spcPts val="0"/>
-              </a:spcBef>
-              <a:spcAft>
-                <a:spcPts val="0"/>
-              </a:spcAft>
-              <a:buNone/>
-            </a:pPr>
-            <a:endParaRPr/>
-          </a:p>
-        </p:txBody>
-      </p:sp>
-    </p:spTree>
   </p:cSld>
   <p:clrMapOvr>
     <a:masterClrMapping/>
@@ -1016,110 +906,6 @@
         </p:txBody>
       </p:sp>
     </p:spTree>
-  </p:cSld>
-  <p:clrMapOvr>
-    <a:masterClrMapping/>
-  </p:clrMapOvr>
-</p:notes>
-</file>
-
-<file path=ppt/notesSlides/notesSlide3.xml><?xml version="1.0" encoding="utf-8"?>
-<p:notes xmlns:a="http://schemas.openxmlformats.org/drawingml/2006/main" xmlns:r="http://schemas.openxmlformats.org/officeDocument/2006/relationships" xmlns:p="http://schemas.openxmlformats.org/presentationml/2006/main" showMasterSp="0" showMasterPhAnim="0">
-  <p:cSld>
-    <p:spTree>
-      <p:nvGrpSpPr>
-        <p:cNvPr id="1" name="Shape 67"/>
-        <p:cNvGrpSpPr/>
-        <p:nvPr/>
-      </p:nvGrpSpPr>
-      <p:grpSpPr>
-        <a:xfrm>
-          <a:off x="0" y="0"/>
-          <a:ext cx="0" cy="0"/>
-          <a:chOff x="0" y="0"/>
-          <a:chExt cx="0" cy="0"/>
-        </a:xfrm>
-      </p:grpSpPr>
-      <p:sp>
-        <p:nvSpPr>
-          <p:cNvPr id="68" name="Google Shape;68;g35f391192_00:notes"/>
-          <p:cNvSpPr>
-            <a:spLocks noGrp="1" noRot="1" noChangeAspect="1"/>
-          </p:cNvSpPr>
-          <p:nvPr>
-            <p:ph type="sldImg" idx="2"/>
-          </p:nvPr>
-        </p:nvSpPr>
-        <p:spPr>
-          <a:xfrm>
-            <a:off x="381000" y="685800"/>
-            <a:ext cx="6096000" cy="3429000"/>
-          </a:xfrm>
-          <a:custGeom>
-            <a:avLst/>
-            <a:gdLst/>
-            <a:ahLst/>
-            <a:cxnLst/>
-            <a:rect l="l" t="t" r="r" b="b"/>
-            <a:pathLst>
-              <a:path w="120000" h="120000" extrusionOk="0">
-                <a:moveTo>
-                  <a:pt x="0" y="0"/>
-                </a:moveTo>
-                <a:lnTo>
-                  <a:pt x="120000" y="0"/>
-                </a:lnTo>
-                <a:lnTo>
-                  <a:pt x="120000" y="120000"/>
-                </a:lnTo>
-                <a:lnTo>
-                  <a:pt x="0" y="120000"/>
-                </a:lnTo>
-                <a:close/>
-              </a:path>
-            </a:pathLst>
-          </a:custGeom>
-        </p:spPr>
-      </p:sp>
-      <p:sp>
-        <p:nvSpPr>
-          <p:cNvPr id="69" name="Google Shape;69;g35f391192_00:notes"/>
-          <p:cNvSpPr txBox="1">
-            <a:spLocks noGrp="1"/>
-          </p:cNvSpPr>
-          <p:nvPr>
-            <p:ph type="body" idx="1"/>
-          </p:nvPr>
-        </p:nvSpPr>
-        <p:spPr>
-          <a:xfrm>
-            <a:off x="685800" y="4343400"/>
-            <a:ext cx="5486400" cy="4114800"/>
-          </a:xfrm>
-          <a:prstGeom prst="rect">
-            <a:avLst/>
-          </a:prstGeom>
-        </p:spPr>
-        <p:txBody>
-          <a:bodyPr spcFirstLastPara="1" wrap="square" lIns="91425" tIns="91425" rIns="91425" bIns="91425" anchor="t" anchorCtr="0">
-            <a:noAutofit/>
-          </a:bodyPr>
-          <a:lstStyle/>
-          <a:p>
-            <a:pPr marL="0" lvl="0" indent="0" algn="l" rtl="0">
-              <a:spcBef>
-                <a:spcPts val="0"/>
-              </a:spcBef>
-              <a:spcAft>
-                <a:spcPts val="0"/>
-              </a:spcAft>
-              <a:buNone/>
-            </a:pPr>
-            <a:endParaRPr/>
-          </a:p>
-        </p:txBody>
-      </p:sp>
-    </p:spTree>
     <p:extLst>
       <p:ext uri="{BB962C8B-B14F-4D97-AF65-F5344CB8AC3E}">
         <p14:creationId xmlns:p14="http://schemas.microsoft.com/office/powerpoint/2010/main" val="3274607232"/>
@@ -1132,7 +918,7 @@
 </p:notes>
 </file>
 
-<file path=ppt/notesSlides/notesSlide4.xml><?xml version="1.0" encoding="utf-8"?>
+<file path=ppt/notesSlides/notesSlide3.xml><?xml version="1.0" encoding="utf-8"?>
 <p:notes xmlns:a="http://schemas.openxmlformats.org/drawingml/2006/main" xmlns:r="http://schemas.openxmlformats.org/officeDocument/2006/relationships" xmlns:p="http://schemas.openxmlformats.org/presentationml/2006/main" showMasterSp="0" showMasterPhAnim="0">
   <p:cSld>
     <p:spTree>
@@ -1229,6 +1015,115 @@
         </p:txBody>
       </p:sp>
     </p:spTree>
+  </p:cSld>
+  <p:clrMapOvr>
+    <a:masterClrMapping/>
+  </p:clrMapOvr>
+</p:notes>
+</file>
+
+<file path=ppt/notesSlides/notesSlide4.xml><?xml version="1.0" encoding="utf-8"?>
+<p:notes xmlns:a="http://schemas.openxmlformats.org/drawingml/2006/main" xmlns:r="http://schemas.openxmlformats.org/officeDocument/2006/relationships" xmlns:p="http://schemas.openxmlformats.org/presentationml/2006/main" showMasterSp="0" showMasterPhAnim="0">
+  <p:cSld>
+    <p:spTree>
+      <p:nvGrpSpPr>
+        <p:cNvPr id="1" name="Shape 72"/>
+        <p:cNvGrpSpPr/>
+        <p:nvPr/>
+      </p:nvGrpSpPr>
+      <p:grpSpPr>
+        <a:xfrm>
+          <a:off x="0" y="0"/>
+          <a:ext cx="0" cy="0"/>
+          <a:chOff x="0" y="0"/>
+          <a:chExt cx="0" cy="0"/>
+        </a:xfrm>
+      </p:grpSpPr>
+      <p:sp>
+        <p:nvSpPr>
+          <p:cNvPr id="73" name="Google Shape;73;g3606f1c2d_30:notes"/>
+          <p:cNvSpPr>
+            <a:spLocks noGrp="1" noRot="1" noChangeAspect="1"/>
+          </p:cNvSpPr>
+          <p:nvPr>
+            <p:ph type="sldImg" idx="2"/>
+          </p:nvPr>
+        </p:nvSpPr>
+        <p:spPr>
+          <a:xfrm>
+            <a:off x="381000" y="685800"/>
+            <a:ext cx="6096000" cy="3429000"/>
+          </a:xfrm>
+          <a:custGeom>
+            <a:avLst/>
+            <a:gdLst/>
+            <a:ahLst/>
+            <a:cxnLst/>
+            <a:rect l="l" t="t" r="r" b="b"/>
+            <a:pathLst>
+              <a:path w="120000" h="120000" extrusionOk="0">
+                <a:moveTo>
+                  <a:pt x="0" y="0"/>
+                </a:moveTo>
+                <a:lnTo>
+                  <a:pt x="120000" y="0"/>
+                </a:lnTo>
+                <a:lnTo>
+                  <a:pt x="120000" y="120000"/>
+                </a:lnTo>
+                <a:lnTo>
+                  <a:pt x="0" y="120000"/>
+                </a:lnTo>
+                <a:close/>
+              </a:path>
+            </a:pathLst>
+          </a:custGeom>
+        </p:spPr>
+      </p:sp>
+      <p:sp>
+        <p:nvSpPr>
+          <p:cNvPr id="74" name="Google Shape;74;g3606f1c2d_30:notes"/>
+          <p:cNvSpPr txBox="1">
+            <a:spLocks noGrp="1"/>
+          </p:cNvSpPr>
+          <p:nvPr>
+            <p:ph type="body" idx="1"/>
+          </p:nvPr>
+        </p:nvSpPr>
+        <p:spPr>
+          <a:xfrm>
+            <a:off x="685800" y="4343400"/>
+            <a:ext cx="5486400" cy="4114800"/>
+          </a:xfrm>
+          <a:prstGeom prst="rect">
+            <a:avLst/>
+          </a:prstGeom>
+        </p:spPr>
+        <p:txBody>
+          <a:bodyPr spcFirstLastPara="1" wrap="square" lIns="91425" tIns="91425" rIns="91425" bIns="91425" anchor="t" anchorCtr="0">
+            <a:noAutofit/>
+          </a:bodyPr>
+          <a:lstStyle/>
+          <a:p>
+            <a:pPr marL="0" lvl="0" indent="0" algn="l" rtl="0">
+              <a:spcBef>
+                <a:spcPts val="0"/>
+              </a:spcBef>
+              <a:spcAft>
+                <a:spcPts val="0"/>
+              </a:spcAft>
+              <a:buNone/>
+            </a:pPr>
+            <a:endParaRPr/>
+          </a:p>
+        </p:txBody>
+      </p:sp>
+    </p:spTree>
+    <p:extLst>
+      <p:ext uri="{BB962C8B-B14F-4D97-AF65-F5344CB8AC3E}">
+        <p14:creationId xmlns:p14="http://schemas.microsoft.com/office/powerpoint/2010/main" val="917680648"/>
+      </p:ext>
+    </p:extLst>
   </p:cSld>
   <p:clrMapOvr>
     <a:masterClrMapping/>
@@ -1335,7 +1230,7 @@
     </p:spTree>
     <p:extLst>
       <p:ext uri="{BB962C8B-B14F-4D97-AF65-F5344CB8AC3E}">
-        <p14:creationId xmlns:p14="http://schemas.microsoft.com/office/powerpoint/2010/main" val="917680648"/>
+        <p14:creationId xmlns:p14="http://schemas.microsoft.com/office/powerpoint/2010/main" val="1559395659"/>
       </p:ext>
     </p:extLst>
   </p:cSld>
@@ -1444,7 +1339,7 @@
     </p:spTree>
     <p:extLst>
       <p:ext uri="{BB962C8B-B14F-4D97-AF65-F5344CB8AC3E}">
-        <p14:creationId xmlns:p14="http://schemas.microsoft.com/office/powerpoint/2010/main" val="1559395659"/>
+        <p14:creationId xmlns:p14="http://schemas.microsoft.com/office/powerpoint/2010/main" val="1032459653"/>
       </p:ext>
     </p:extLst>
   </p:cSld>
@@ -1551,11 +1446,6 @@
         </p:txBody>
       </p:sp>
     </p:spTree>
-    <p:extLst>
-      <p:ext uri="{BB962C8B-B14F-4D97-AF65-F5344CB8AC3E}">
-        <p14:creationId xmlns:p14="http://schemas.microsoft.com/office/powerpoint/2010/main" val="1032459653"/>
-      </p:ext>
-    </p:extLst>
   </p:cSld>
   <p:clrMapOvr>
     <a:masterClrMapping/>
@@ -1568,7 +1458,7 @@
   <p:cSld>
     <p:spTree>
       <p:nvGrpSpPr>
-        <p:cNvPr id="1" name="Shape 72"/>
+        <p:cNvPr id="1" name="Shape 331"/>
         <p:cNvGrpSpPr/>
         <p:nvPr/>
       </p:nvGrpSpPr>
@@ -1582,7 +1472,7 @@
       </p:grpSpPr>
       <p:sp>
         <p:nvSpPr>
-          <p:cNvPr id="73" name="Google Shape;73;g3606f1c2d_30:notes"/>
+          <p:cNvPr id="332" name="Google Shape;332;g35ed75ccf_022:notes"/>
           <p:cNvSpPr>
             <a:spLocks noGrp="1" noRot="1" noChangeAspect="1"/>
           </p:cNvSpPr>
@@ -1623,7 +1513,7 @@
       </p:sp>
       <p:sp>
         <p:nvSpPr>
-          <p:cNvPr id="74" name="Google Shape;74;g3606f1c2d_30:notes"/>
+          <p:cNvPr id="333" name="Google Shape;333;g35ed75ccf_022:notes"/>
           <p:cNvSpPr txBox="1">
             <a:spLocks noGrp="1"/>
           </p:cNvSpPr>
@@ -1660,6 +1550,11 @@
         </p:txBody>
       </p:sp>
     </p:spTree>
+    <p:extLst>
+      <p:ext uri="{BB962C8B-B14F-4D97-AF65-F5344CB8AC3E}">
+        <p14:creationId xmlns:p14="http://schemas.microsoft.com/office/powerpoint/2010/main" val="1763656153"/>
+      </p:ext>
+    </p:extLst>
   </p:cSld>
   <p:clrMapOvr>
     <a:masterClrMapping/>
@@ -1764,11 +1659,6 @@
         </p:txBody>
       </p:sp>
     </p:spTree>
-    <p:extLst>
-      <p:ext uri="{BB962C8B-B14F-4D97-AF65-F5344CB8AC3E}">
-        <p14:creationId xmlns:p14="http://schemas.microsoft.com/office/powerpoint/2010/main" val="1763656153"/>
-      </p:ext>
-    </p:extLst>
   </p:cSld>
   <p:clrMapOvr>
     <a:masterClrMapping/>
@@ -4228,702 +4118,6 @@
         </p:nvSpPr>
         <p:spPr>
           <a:xfrm>
-            <a:off x="2686543" y="453912"/>
-            <a:ext cx="3770913" cy="1159800"/>
-          </a:xfrm>
-          <a:prstGeom prst="rect">
-            <a:avLst/>
-          </a:prstGeom>
-        </p:spPr>
-        <p:txBody>
-          <a:bodyPr spcFirstLastPara="1" wrap="square" lIns="91425" tIns="91425" rIns="91425" bIns="91425" anchor="t" anchorCtr="0">
-            <a:noAutofit/>
-          </a:bodyPr>
-          <a:lstStyle/>
-          <a:p>
-            <a:pPr lvl="0"/>
-            <a:r>
-              <a:rPr lang="en-US" sz="4800" b="1" dirty="0"/>
-              <a:t>Hackbrio’22</a:t>
-            </a:r>
-            <a:endParaRPr u="sng" dirty="0"/>
-          </a:p>
-        </p:txBody>
-      </p:sp>
-      <p:pic>
-        <p:nvPicPr>
-          <p:cNvPr id="5" name="Picture 4">
-            <a:extLst>
-              <a:ext uri="{FF2B5EF4-FFF2-40B4-BE49-F238E27FC236}">
-                <a16:creationId xmlns:a16="http://schemas.microsoft.com/office/drawing/2014/main" id="{3995B62A-7DBE-4C55-8079-F827E6288549}"/>
-              </a:ext>
-            </a:extLst>
-          </p:cNvPr>
-          <p:cNvPicPr>
-            <a:picLocks noChangeAspect="1"/>
-          </p:cNvPicPr>
-          <p:nvPr/>
-        </p:nvPicPr>
-        <p:blipFill>
-          <a:blip r:embed="rId4"/>
-          <a:stretch>
-            <a:fillRect/>
-          </a:stretch>
-        </p:blipFill>
-        <p:spPr>
-          <a:xfrm>
-            <a:off x="1506648" y="2110248"/>
-            <a:ext cx="2912015" cy="2312892"/>
-          </a:xfrm>
-          <a:prstGeom prst="roundRect">
-            <a:avLst>
-              <a:gd name="adj" fmla="val 4167"/>
-            </a:avLst>
-          </a:prstGeom>
-          <a:solidFill>
-            <a:srgbClr val="FFFFFF"/>
-          </a:solidFill>
-          <a:ln w="76200" cap="sq">
-            <a:solidFill>
-              <a:srgbClr val="EAEAEA"/>
-            </a:solidFill>
-            <a:miter lim="800000"/>
-          </a:ln>
-          <a:effectLst>
-            <a:reflection blurRad="12700" stA="33000" endPos="28000" dist="5000" dir="5400000" sy="-100000" algn="bl" rotWithShape="0"/>
-          </a:effectLst>
-          <a:scene3d>
-            <a:camera prst="orthographicFront"/>
-            <a:lightRig rig="threePt" dir="t">
-              <a:rot lat="0" lon="0" rev="2700000"/>
-            </a:lightRig>
-          </a:scene3d>
-          <a:sp3d contourW="6350">
-            <a:bevelT h="38100"/>
-            <a:contourClr>
-              <a:srgbClr val="C0C0C0"/>
-            </a:contourClr>
-          </a:sp3d>
-        </p:spPr>
-      </p:pic>
-      <p:pic>
-        <p:nvPicPr>
-          <p:cNvPr id="7" name="Picture 6">
-            <a:extLst>
-              <a:ext uri="{FF2B5EF4-FFF2-40B4-BE49-F238E27FC236}">
-                <a16:creationId xmlns:a16="http://schemas.microsoft.com/office/drawing/2014/main" id="{C193E2B7-F564-47E7-81ED-8725C412CE8D}"/>
-              </a:ext>
-            </a:extLst>
-          </p:cNvPr>
-          <p:cNvPicPr>
-            <a:picLocks noChangeAspect="1"/>
-          </p:cNvPicPr>
-          <p:nvPr/>
-        </p:nvPicPr>
-        <p:blipFill>
-          <a:blip r:embed="rId5"/>
-          <a:stretch>
-            <a:fillRect/>
-          </a:stretch>
-        </p:blipFill>
-        <p:spPr>
-          <a:xfrm>
-            <a:off x="5155139" y="2106894"/>
-            <a:ext cx="2604633" cy="2312892"/>
-          </a:xfrm>
-          <a:prstGeom prst="roundRect">
-            <a:avLst>
-              <a:gd name="adj" fmla="val 4167"/>
-            </a:avLst>
-          </a:prstGeom>
-          <a:solidFill>
-            <a:srgbClr val="FFFFFF"/>
-          </a:solidFill>
-          <a:ln w="76200" cap="sq">
-            <a:solidFill>
-              <a:srgbClr val="EAEAEA"/>
-            </a:solidFill>
-            <a:miter lim="800000"/>
-          </a:ln>
-          <a:effectLst>
-            <a:reflection blurRad="12700" stA="33000" endPos="28000" dist="5000" dir="5400000" sy="-100000" algn="bl" rotWithShape="0"/>
-          </a:effectLst>
-          <a:scene3d>
-            <a:camera prst="orthographicFront"/>
-            <a:lightRig rig="threePt" dir="t">
-              <a:rot lat="0" lon="0" rev="2700000"/>
-            </a:lightRig>
-          </a:scene3d>
-          <a:sp3d contourW="6350">
-            <a:bevelT h="38100"/>
-            <a:contourClr>
-              <a:srgbClr val="C0C0C0"/>
-            </a:contourClr>
-          </a:sp3d>
-        </p:spPr>
-      </p:pic>
-    </p:spTree>
-    <p:custDataLst>
-      <p:tags r:id="rId1"/>
-    </p:custDataLst>
-    <p:extLst>
-      <p:ext uri="{BB962C8B-B14F-4D97-AF65-F5344CB8AC3E}">
-        <p14:creationId xmlns:p14="http://schemas.microsoft.com/office/powerpoint/2010/main" val="1230917025"/>
-      </p:ext>
-    </p:extLst>
-  </p:cSld>
-  <p:clrMapOvr>
-    <a:masterClrMapping/>
-  </p:clrMapOvr>
-  <mc:AlternateContent xmlns:mc="http://schemas.openxmlformats.org/markup-compatibility/2006" xmlns:p14="http://schemas.microsoft.com/office/powerpoint/2010/main">
-    <mc:Choice Requires="p14">
-      <p:transition spd="med" p14:dur="700" advTm="5420">
-        <p:fade/>
-      </p:transition>
-    </mc:Choice>
-    <mc:Fallback xmlns="">
-      <p:transition spd="med" advTm="5420">
-        <p:fade/>
-      </p:transition>
-    </mc:Fallback>
-  </mc:AlternateContent>
-  <p:timing>
-    <p:tnLst>
-      <p:par>
-        <p:cTn id="1" dur="indefinite" restart="never" nodeType="tmRoot">
-          <p:childTnLst>
-            <p:seq concurrent="1" nextAc="seek">
-              <p:cTn id="2" dur="indefinite" nodeType="mainSeq">
-                <p:childTnLst>
-                  <p:par>
-                    <p:cTn id="3" fill="hold">
-                      <p:stCondLst>
-                        <p:cond delay="indefinite"/>
-                      </p:stCondLst>
-                      <p:childTnLst>
-                        <p:par>
-                          <p:cTn id="4" fill="hold">
-                            <p:stCondLst>
-                              <p:cond delay="0"/>
-                            </p:stCondLst>
-                            <p:childTnLst>
-                              <p:par>
-                                <p:cTn id="5" presetID="10" presetClass="entr" presetSubtype="0" fill="hold" grpId="0" nodeType="clickEffect">
-                                  <p:stCondLst>
-                                    <p:cond delay="0"/>
-                                  </p:stCondLst>
-                                  <p:childTnLst>
-                                    <p:set>
-                                      <p:cBhvr>
-                                        <p:cTn id="6" dur="1" fill="hold">
-                                          <p:stCondLst>
-                                            <p:cond delay="0"/>
-                                          </p:stCondLst>
-                                        </p:cTn>
-                                        <p:tgtEl>
-                                          <p:spTgt spid="71"/>
-                                        </p:tgtEl>
-                                        <p:attrNameLst>
-                                          <p:attrName>style.visibility</p:attrName>
-                                        </p:attrNameLst>
-                                      </p:cBhvr>
-                                      <p:to>
-                                        <p:strVal val="visible"/>
-                                      </p:to>
-                                    </p:set>
-                                    <p:animEffect transition="in" filter="fade">
-                                      <p:cBhvr>
-                                        <p:cTn id="7" dur="500"/>
-                                        <p:tgtEl>
-                                          <p:spTgt spid="71"/>
-                                        </p:tgtEl>
-                                      </p:cBhvr>
-                                    </p:animEffect>
-                                  </p:childTnLst>
-                                </p:cTn>
-                              </p:par>
-                            </p:childTnLst>
-                          </p:cTn>
-                        </p:par>
-                      </p:childTnLst>
-                    </p:cTn>
-                  </p:par>
-                  <p:par>
-                    <p:cTn id="8" fill="hold">
-                      <p:stCondLst>
-                        <p:cond delay="indefinite"/>
-                      </p:stCondLst>
-                      <p:childTnLst>
-                        <p:par>
-                          <p:cTn id="9" fill="hold">
-                            <p:stCondLst>
-                              <p:cond delay="0"/>
-                            </p:stCondLst>
-                            <p:childTnLst>
-                              <p:par>
-                                <p:cTn id="10" presetID="2" presetClass="entr" presetSubtype="4" fill="hold" nodeType="clickEffect">
-                                  <p:stCondLst>
-                                    <p:cond delay="0"/>
-                                  </p:stCondLst>
-                                  <p:childTnLst>
-                                    <p:set>
-                                      <p:cBhvr>
-                                        <p:cTn id="11" dur="1" fill="hold">
-                                          <p:stCondLst>
-                                            <p:cond delay="0"/>
-                                          </p:stCondLst>
-                                        </p:cTn>
-                                        <p:tgtEl>
-                                          <p:spTgt spid="5"/>
-                                        </p:tgtEl>
-                                        <p:attrNameLst>
-                                          <p:attrName>style.visibility</p:attrName>
-                                        </p:attrNameLst>
-                                      </p:cBhvr>
-                                      <p:to>
-                                        <p:strVal val="visible"/>
-                                      </p:to>
-                                    </p:set>
-                                    <p:anim calcmode="lin" valueType="num">
-                                      <p:cBhvr additive="base">
-                                        <p:cTn id="12" dur="500" fill="hold"/>
-                                        <p:tgtEl>
-                                          <p:spTgt spid="5"/>
-                                        </p:tgtEl>
-                                        <p:attrNameLst>
-                                          <p:attrName>ppt_x</p:attrName>
-                                        </p:attrNameLst>
-                                      </p:cBhvr>
-                                      <p:tavLst>
-                                        <p:tav tm="0">
-                                          <p:val>
-                                            <p:strVal val="#ppt_x"/>
-                                          </p:val>
-                                        </p:tav>
-                                        <p:tav tm="100000">
-                                          <p:val>
-                                            <p:strVal val="#ppt_x"/>
-                                          </p:val>
-                                        </p:tav>
-                                      </p:tavLst>
-                                    </p:anim>
-                                    <p:anim calcmode="lin" valueType="num">
-                                      <p:cBhvr additive="base">
-                                        <p:cTn id="13" dur="500" fill="hold"/>
-                                        <p:tgtEl>
-                                          <p:spTgt spid="5"/>
-                                        </p:tgtEl>
-                                        <p:attrNameLst>
-                                          <p:attrName>ppt_y</p:attrName>
-                                        </p:attrNameLst>
-                                      </p:cBhvr>
-                                      <p:tavLst>
-                                        <p:tav tm="0">
-                                          <p:val>
-                                            <p:strVal val="1+#ppt_h/2"/>
-                                          </p:val>
-                                        </p:tav>
-                                        <p:tav tm="100000">
-                                          <p:val>
-                                            <p:strVal val="#ppt_y"/>
-                                          </p:val>
-                                        </p:tav>
-                                      </p:tavLst>
-                                    </p:anim>
-                                  </p:childTnLst>
-                                </p:cTn>
-                              </p:par>
-                              <p:par>
-                                <p:cTn id="14" presetID="2" presetClass="entr" presetSubtype="4" fill="hold" nodeType="withEffect">
-                                  <p:stCondLst>
-                                    <p:cond delay="0"/>
-                                  </p:stCondLst>
-                                  <p:childTnLst>
-                                    <p:set>
-                                      <p:cBhvr>
-                                        <p:cTn id="15" dur="1" fill="hold">
-                                          <p:stCondLst>
-                                            <p:cond delay="0"/>
-                                          </p:stCondLst>
-                                        </p:cTn>
-                                        <p:tgtEl>
-                                          <p:spTgt spid="7"/>
-                                        </p:tgtEl>
-                                        <p:attrNameLst>
-                                          <p:attrName>style.visibility</p:attrName>
-                                        </p:attrNameLst>
-                                      </p:cBhvr>
-                                      <p:to>
-                                        <p:strVal val="visible"/>
-                                      </p:to>
-                                    </p:set>
-                                    <p:anim calcmode="lin" valueType="num">
-                                      <p:cBhvr additive="base">
-                                        <p:cTn id="16" dur="500" fill="hold"/>
-                                        <p:tgtEl>
-                                          <p:spTgt spid="7"/>
-                                        </p:tgtEl>
-                                        <p:attrNameLst>
-                                          <p:attrName>ppt_x</p:attrName>
-                                        </p:attrNameLst>
-                                      </p:cBhvr>
-                                      <p:tavLst>
-                                        <p:tav tm="0">
-                                          <p:val>
-                                            <p:strVal val="#ppt_x"/>
-                                          </p:val>
-                                        </p:tav>
-                                        <p:tav tm="100000">
-                                          <p:val>
-                                            <p:strVal val="#ppt_x"/>
-                                          </p:val>
-                                        </p:tav>
-                                      </p:tavLst>
-                                    </p:anim>
-                                    <p:anim calcmode="lin" valueType="num">
-                                      <p:cBhvr additive="base">
-                                        <p:cTn id="17" dur="500" fill="hold"/>
-                                        <p:tgtEl>
-                                          <p:spTgt spid="7"/>
-                                        </p:tgtEl>
-                                        <p:attrNameLst>
-                                          <p:attrName>ppt_y</p:attrName>
-                                        </p:attrNameLst>
-                                      </p:cBhvr>
-                                      <p:tavLst>
-                                        <p:tav tm="0">
-                                          <p:val>
-                                            <p:strVal val="1+#ppt_h/2"/>
-                                          </p:val>
-                                        </p:tav>
-                                        <p:tav tm="100000">
-                                          <p:val>
-                                            <p:strVal val="#ppt_y"/>
-                                          </p:val>
-                                        </p:tav>
-                                      </p:tavLst>
-                                    </p:anim>
-                                  </p:childTnLst>
-                                </p:cTn>
-                              </p:par>
-                            </p:childTnLst>
-                          </p:cTn>
-                        </p:par>
-                      </p:childTnLst>
-                    </p:cTn>
-                  </p:par>
-                </p:childTnLst>
-              </p:cTn>
-              <p:prevCondLst>
-                <p:cond evt="onPrev" delay="0">
-                  <p:tgtEl>
-                    <p:sldTgt/>
-                  </p:tgtEl>
-                </p:cond>
-              </p:prevCondLst>
-              <p:nextCondLst>
-                <p:cond evt="onNext" delay="0">
-                  <p:tgtEl>
-                    <p:sldTgt/>
-                  </p:tgtEl>
-                </p:cond>
-              </p:nextCondLst>
-            </p:seq>
-          </p:childTnLst>
-        </p:cTn>
-      </p:par>
-    </p:tnLst>
-    <p:bldLst>
-      <p:bldP spid="71" grpId="0"/>
-    </p:bldLst>
-  </p:timing>
-</p:sld>
-</file>
-
-<file path=ppt/slides/slide10.xml><?xml version="1.0" encoding="utf-8"?>
-<p:sld xmlns:a="http://schemas.openxmlformats.org/drawingml/2006/main" xmlns:r="http://schemas.openxmlformats.org/officeDocument/2006/relationships" xmlns:p="http://schemas.openxmlformats.org/presentationml/2006/main">
-  <p:cSld>
-    <p:spTree>
-      <p:nvGrpSpPr>
-        <p:cNvPr id="1" name="Shape 334"/>
-        <p:cNvGrpSpPr/>
-        <p:nvPr/>
-      </p:nvGrpSpPr>
-      <p:grpSpPr>
-        <a:xfrm>
-          <a:off x="0" y="0"/>
-          <a:ext cx="0" cy="0"/>
-          <a:chOff x="0" y="0"/>
-          <a:chExt cx="0" cy="0"/>
-        </a:xfrm>
-      </p:grpSpPr>
-      <p:sp>
-        <p:nvSpPr>
-          <p:cNvPr id="335" name="Google Shape;335;p34"/>
-          <p:cNvSpPr txBox="1">
-            <a:spLocks noGrp="1"/>
-          </p:cNvSpPr>
-          <p:nvPr>
-            <p:ph type="ctrTitle" idx="4294967295"/>
-          </p:nvPr>
-        </p:nvSpPr>
-        <p:spPr>
-          <a:xfrm>
-            <a:off x="1527297" y="2292626"/>
-            <a:ext cx="1679729" cy="451260"/>
-          </a:xfrm>
-          <a:prstGeom prst="rect">
-            <a:avLst/>
-          </a:prstGeom>
-        </p:spPr>
-        <p:txBody>
-          <a:bodyPr spcFirstLastPara="1" wrap="square" lIns="91425" tIns="91425" rIns="91425" bIns="91425" anchor="b" anchorCtr="0">
-            <a:noAutofit/>
-          </a:bodyPr>
-          <a:lstStyle/>
-          <a:p>
-            <a:pPr marL="0" lvl="0" indent="0" algn="l" rtl="0">
-              <a:spcBef>
-                <a:spcPts val="0"/>
-              </a:spcBef>
-              <a:spcAft>
-                <a:spcPts val="0"/>
-              </a:spcAft>
-              <a:buNone/>
-            </a:pPr>
-            <a:r>
-              <a:rPr lang="en" sz="2200" b="1" dirty="0">
-                <a:solidFill>
-                  <a:schemeClr val="dk1"/>
-                </a:solidFill>
-              </a:rPr>
-              <a:t>Thank you!</a:t>
-            </a:r>
-            <a:endParaRPr sz="2200" b="1" dirty="0">
-              <a:solidFill>
-                <a:schemeClr val="dk1"/>
-              </a:solidFill>
-            </a:endParaRPr>
-          </a:p>
-        </p:txBody>
-      </p:sp>
-      <p:sp>
-        <p:nvSpPr>
-          <p:cNvPr id="338" name="Google Shape;338;p34"/>
-          <p:cNvSpPr txBox="1">
-            <a:spLocks noGrp="1"/>
-          </p:cNvSpPr>
-          <p:nvPr>
-            <p:ph type="sldNum" idx="12"/>
-          </p:nvPr>
-        </p:nvSpPr>
-        <p:spPr>
-          <a:xfrm>
-            <a:off x="8523157" y="4752131"/>
-            <a:ext cx="548700" cy="315300"/>
-          </a:xfrm>
-          <a:prstGeom prst="rect">
-            <a:avLst/>
-          </a:prstGeom>
-        </p:spPr>
-        <p:txBody>
-          <a:bodyPr spcFirstLastPara="1" wrap="square" lIns="91425" tIns="91425" rIns="91425" bIns="91425" anchor="t" anchorCtr="0">
-            <a:noAutofit/>
-          </a:bodyPr>
-          <a:lstStyle/>
-          <a:p>
-            <a:pPr marL="0" lvl="0" indent="0" algn="r" rtl="0">
-              <a:spcBef>
-                <a:spcPts val="0"/>
-              </a:spcBef>
-              <a:spcAft>
-                <a:spcPts val="0"/>
-              </a:spcAft>
-              <a:buNone/>
-            </a:pPr>
-            <a:fld id="{00000000-1234-1234-1234-123412341234}" type="slidenum">
-              <a:rPr lang="en"/>
-              <a:t>10</a:t>
-            </a:fld>
-            <a:endParaRPr/>
-          </a:p>
-        </p:txBody>
-      </p:sp>
-    </p:spTree>
-    <p:custDataLst>
-      <p:tags r:id="rId1"/>
-    </p:custDataLst>
-  </p:cSld>
-  <p:clrMapOvr>
-    <a:masterClrMapping/>
-  </p:clrMapOvr>
-  <p:transition spd="slow" advTm="3798">
-    <p:push dir="u"/>
-  </p:transition>
-  <p:timing>
-    <p:tnLst>
-      <p:par>
-        <p:cTn id="1" dur="indefinite" restart="never" nodeType="tmRoot">
-          <p:childTnLst>
-            <p:seq concurrent="1" nextAc="seek">
-              <p:cTn id="2" dur="indefinite" nodeType="mainSeq">
-                <p:childTnLst>
-                  <p:par>
-                    <p:cTn id="3" fill="hold">
-                      <p:stCondLst>
-                        <p:cond delay="indefinite"/>
-                      </p:stCondLst>
-                      <p:childTnLst>
-                        <p:par>
-                          <p:cTn id="4" fill="hold">
-                            <p:stCondLst>
-                              <p:cond delay="0"/>
-                            </p:stCondLst>
-                            <p:childTnLst>
-                              <p:par>
-                                <p:cTn id="5" presetID="53" presetClass="entr" presetSubtype="16" fill="hold" grpId="0" nodeType="clickEffect">
-                                  <p:stCondLst>
-                                    <p:cond delay="0"/>
-                                  </p:stCondLst>
-                                  <p:childTnLst>
-                                    <p:set>
-                                      <p:cBhvr>
-                                        <p:cTn id="6" dur="1" fill="hold">
-                                          <p:stCondLst>
-                                            <p:cond delay="0"/>
-                                          </p:stCondLst>
-                                        </p:cTn>
-                                        <p:tgtEl>
-                                          <p:spTgt spid="335"/>
-                                        </p:tgtEl>
-                                        <p:attrNameLst>
-                                          <p:attrName>style.visibility</p:attrName>
-                                        </p:attrNameLst>
-                                      </p:cBhvr>
-                                      <p:to>
-                                        <p:strVal val="visible"/>
-                                      </p:to>
-                                    </p:set>
-                                    <p:anim calcmode="lin" valueType="num">
-                                      <p:cBhvr>
-                                        <p:cTn id="7" dur="500" fill="hold"/>
-                                        <p:tgtEl>
-                                          <p:spTgt spid="335"/>
-                                        </p:tgtEl>
-                                        <p:attrNameLst>
-                                          <p:attrName>ppt_w</p:attrName>
-                                        </p:attrNameLst>
-                                      </p:cBhvr>
-                                      <p:tavLst>
-                                        <p:tav tm="0">
-                                          <p:val>
-                                            <p:fltVal val="0"/>
-                                          </p:val>
-                                        </p:tav>
-                                        <p:tav tm="100000">
-                                          <p:val>
-                                            <p:strVal val="#ppt_w"/>
-                                          </p:val>
-                                        </p:tav>
-                                      </p:tavLst>
-                                    </p:anim>
-                                    <p:anim calcmode="lin" valueType="num">
-                                      <p:cBhvr>
-                                        <p:cTn id="8" dur="500" fill="hold"/>
-                                        <p:tgtEl>
-                                          <p:spTgt spid="335"/>
-                                        </p:tgtEl>
-                                        <p:attrNameLst>
-                                          <p:attrName>ppt_h</p:attrName>
-                                        </p:attrNameLst>
-                                      </p:cBhvr>
-                                      <p:tavLst>
-                                        <p:tav tm="0">
-                                          <p:val>
-                                            <p:fltVal val="0"/>
-                                          </p:val>
-                                        </p:tav>
-                                        <p:tav tm="100000">
-                                          <p:val>
-                                            <p:strVal val="#ppt_h"/>
-                                          </p:val>
-                                        </p:tav>
-                                      </p:tavLst>
-                                    </p:anim>
-                                    <p:animEffect transition="in" filter="fade">
-                                      <p:cBhvr>
-                                        <p:cTn id="9" dur="500"/>
-                                        <p:tgtEl>
-                                          <p:spTgt spid="335"/>
-                                        </p:tgtEl>
-                                      </p:cBhvr>
-                                    </p:animEffect>
-                                  </p:childTnLst>
-                                </p:cTn>
-                              </p:par>
-                            </p:childTnLst>
-                          </p:cTn>
-                        </p:par>
-                      </p:childTnLst>
-                    </p:cTn>
-                  </p:par>
-                </p:childTnLst>
-              </p:cTn>
-              <p:prevCondLst>
-                <p:cond evt="onPrev" delay="0">
-                  <p:tgtEl>
-                    <p:sldTgt/>
-                  </p:tgtEl>
-                </p:cond>
-              </p:prevCondLst>
-              <p:nextCondLst>
-                <p:cond evt="onNext" delay="0">
-                  <p:tgtEl>
-                    <p:sldTgt/>
-                  </p:tgtEl>
-                </p:cond>
-              </p:nextCondLst>
-            </p:seq>
-          </p:childTnLst>
-        </p:cTn>
-      </p:par>
-    </p:tnLst>
-    <p:bldLst>
-      <p:bldP spid="335" grpId="0"/>
-    </p:bldLst>
-  </p:timing>
-</p:sld>
-</file>
-
-<file path=ppt/slides/slide2.xml><?xml version="1.0" encoding="utf-8"?>
-<p:sld xmlns:a="http://schemas.openxmlformats.org/drawingml/2006/main" xmlns:r="http://schemas.openxmlformats.org/officeDocument/2006/relationships" xmlns:p="http://schemas.openxmlformats.org/presentationml/2006/main">
-  <p:cSld>
-    <p:spTree>
-      <p:nvGrpSpPr>
-        <p:cNvPr id="1" name="Shape 70"/>
-        <p:cNvGrpSpPr/>
-        <p:nvPr/>
-      </p:nvGrpSpPr>
-      <p:grpSpPr>
-        <a:xfrm>
-          <a:off x="0" y="0"/>
-          <a:ext cx="0" cy="0"/>
-          <a:chOff x="0" y="0"/>
-          <a:chExt cx="0" cy="0"/>
-        </a:xfrm>
-      </p:grpSpPr>
-      <p:sp>
-        <p:nvSpPr>
-          <p:cNvPr id="71" name="Google Shape;71;p12"/>
-          <p:cNvSpPr txBox="1">
-            <a:spLocks noGrp="1"/>
-          </p:cNvSpPr>
-          <p:nvPr>
-            <p:ph type="ctrTitle"/>
-          </p:nvPr>
-        </p:nvSpPr>
-        <p:spPr>
-          <a:xfrm>
             <a:off x="2859915" y="453912"/>
             <a:ext cx="3759546" cy="1159800"/>
           </a:xfrm>
@@ -5562,7 +4756,7 @@
 </p:sld>
 </file>
 
-<file path=ppt/slides/slide3.xml><?xml version="1.0" encoding="utf-8"?>
+<file path=ppt/slides/slide2.xml><?xml version="1.0" encoding="utf-8"?>
 <p:sld xmlns:a="http://schemas.openxmlformats.org/drawingml/2006/main" xmlns:r="http://schemas.openxmlformats.org/officeDocument/2006/relationships" xmlns:p="http://schemas.openxmlformats.org/presentationml/2006/main">
   <p:cSld>
     <p:spTree>
@@ -6173,7 +5367,7 @@
 </p:sld>
 </file>
 
-<file path=ppt/slides/slide4.xml><?xml version="1.0" encoding="utf-8"?>
+<file path=ppt/slides/slide3.xml><?xml version="1.0" encoding="utf-8"?>
 <p:sld xmlns:a="http://schemas.openxmlformats.org/drawingml/2006/main" xmlns:r="http://schemas.openxmlformats.org/officeDocument/2006/relationships" xmlns:p="http://schemas.openxmlformats.org/presentationml/2006/main">
   <p:cSld>
     <p:spTree>
@@ -6373,7 +5567,7 @@
             </a:pPr>
             <a:fld id="{00000000-1234-1234-1234-123412341234}" type="slidenum">
               <a:rPr lang="en"/>
-              <a:t>4</a:t>
+              <a:t>3</a:t>
             </a:fld>
             <a:endParaRPr/>
           </a:p>
@@ -7055,7 +6249,7 @@
 </p:sld>
 </file>
 
-<file path=ppt/slides/slide5.xml><?xml version="1.0" encoding="utf-8"?>
+<file path=ppt/slides/slide4.xml><?xml version="1.0" encoding="utf-8"?>
 <p:sld xmlns:a="http://schemas.openxmlformats.org/drawingml/2006/main" xmlns:r="http://schemas.openxmlformats.org/officeDocument/2006/relationships" xmlns:p="http://schemas.openxmlformats.org/presentationml/2006/main">
   <p:cSld>
     <p:spTree>
@@ -7108,7 +6302,7 @@
             </a:pPr>
             <a:fld id="{00000000-1234-1234-1234-123412341234}" type="slidenum">
               <a:rPr lang="en"/>
-              <a:t>5</a:t>
+              <a:t>4</a:t>
             </a:fld>
             <a:endParaRPr/>
           </a:p>
@@ -7723,7 +6917,7 @@
 </p:sld>
 </file>
 
-<file path=ppt/slides/slide6.xml><?xml version="1.0" encoding="utf-8"?>
+<file path=ppt/slides/slide5.xml><?xml version="1.0" encoding="utf-8"?>
 <p:sld xmlns:a="http://schemas.openxmlformats.org/drawingml/2006/main" xmlns:r="http://schemas.openxmlformats.org/officeDocument/2006/relationships" xmlns:p="http://schemas.openxmlformats.org/presentationml/2006/main">
   <p:cSld>
     <p:spTree>
@@ -7776,7 +6970,7 @@
             </a:pPr>
             <a:fld id="{00000000-1234-1234-1234-123412341234}" type="slidenum">
               <a:rPr lang="en"/>
-              <a:t>6</a:t>
+              <a:t>5</a:t>
             </a:fld>
             <a:endParaRPr/>
           </a:p>
@@ -8459,7 +7653,7 @@
 </p:sld>
 </file>
 
-<file path=ppt/slides/slide7.xml><?xml version="1.0" encoding="utf-8"?>
+<file path=ppt/slides/slide6.xml><?xml version="1.0" encoding="utf-8"?>
 <p:sld xmlns:a="http://schemas.openxmlformats.org/drawingml/2006/main" xmlns:r="http://schemas.openxmlformats.org/officeDocument/2006/relationships" xmlns:p="http://schemas.openxmlformats.org/presentationml/2006/main">
   <p:cSld>
     <p:spTree>
@@ -8512,7 +7706,7 @@
             </a:pPr>
             <a:fld id="{00000000-1234-1234-1234-123412341234}" type="slidenum">
               <a:rPr lang="en"/>
-              <a:t>7</a:t>
+              <a:t>6</a:t>
             </a:fld>
             <a:endParaRPr/>
           </a:p>
@@ -9112,7 +8306,7 @@
 </p:sld>
 </file>
 
-<file path=ppt/slides/slide8.xml><?xml version="1.0" encoding="utf-8"?>
+<file path=ppt/slides/slide7.xml><?xml version="1.0" encoding="utf-8"?>
 <p:sld xmlns:a="http://schemas.openxmlformats.org/drawingml/2006/main" xmlns:r="http://schemas.openxmlformats.org/officeDocument/2006/relationships" xmlns:p="http://schemas.openxmlformats.org/presentationml/2006/main">
   <p:cSld>
     <p:spTree>
@@ -9739,7 +8933,7 @@
             </a:pPr>
             <a:fld id="{00000000-1234-1234-1234-123412341234}" type="slidenum">
               <a:rPr lang="en"/>
-              <a:t>8</a:t>
+              <a:t>7</a:t>
             </a:fld>
             <a:endParaRPr dirty="0"/>
           </a:p>
@@ -10963,7 +10157,7 @@
 </p:sld>
 </file>
 
-<file path=ppt/slides/slide9.xml><?xml version="1.0" encoding="utf-8"?>
+<file path=ppt/slides/slide8.xml><?xml version="1.0" encoding="utf-8"?>
 <p:sld xmlns:a="http://schemas.openxmlformats.org/drawingml/2006/main" xmlns:r="http://schemas.openxmlformats.org/officeDocument/2006/relationships" xmlns:p="http://schemas.openxmlformats.org/presentationml/2006/main">
   <p:cSld>
     <p:spTree>
@@ -11066,7 +10260,7 @@
             </a:pPr>
             <a:fld id="{00000000-1234-1234-1234-123412341234}" type="slidenum">
               <a:rPr lang="en"/>
-              <a:t>9</a:t>
+              <a:t>8</a:t>
             </a:fld>
             <a:endParaRPr/>
           </a:p>
@@ -11673,15 +10867,264 @@
 </p:sld>
 </file>
 
+<file path=ppt/slides/slide9.xml><?xml version="1.0" encoding="utf-8"?>
+<p:sld xmlns:a="http://schemas.openxmlformats.org/drawingml/2006/main" xmlns:r="http://schemas.openxmlformats.org/officeDocument/2006/relationships" xmlns:p="http://schemas.openxmlformats.org/presentationml/2006/main">
+  <p:cSld>
+    <p:spTree>
+      <p:nvGrpSpPr>
+        <p:cNvPr id="1" name="Shape 334"/>
+        <p:cNvGrpSpPr/>
+        <p:nvPr/>
+      </p:nvGrpSpPr>
+      <p:grpSpPr>
+        <a:xfrm>
+          <a:off x="0" y="0"/>
+          <a:ext cx="0" cy="0"/>
+          <a:chOff x="0" y="0"/>
+          <a:chExt cx="0" cy="0"/>
+        </a:xfrm>
+      </p:grpSpPr>
+      <p:sp>
+        <p:nvSpPr>
+          <p:cNvPr id="335" name="Google Shape;335;p34"/>
+          <p:cNvSpPr txBox="1">
+            <a:spLocks noGrp="1"/>
+          </p:cNvSpPr>
+          <p:nvPr>
+            <p:ph type="ctrTitle" idx="4294967295"/>
+          </p:nvPr>
+        </p:nvSpPr>
+        <p:spPr>
+          <a:xfrm>
+            <a:off x="1527297" y="2292626"/>
+            <a:ext cx="1679729" cy="451260"/>
+          </a:xfrm>
+          <a:prstGeom prst="rect">
+            <a:avLst/>
+          </a:prstGeom>
+        </p:spPr>
+        <p:txBody>
+          <a:bodyPr spcFirstLastPara="1" wrap="square" lIns="91425" tIns="91425" rIns="91425" bIns="91425" anchor="b" anchorCtr="0">
+            <a:noAutofit/>
+          </a:bodyPr>
+          <a:lstStyle/>
+          <a:p>
+            <a:pPr marL="0" lvl="0" indent="0" algn="l" rtl="0">
+              <a:spcBef>
+                <a:spcPts val="0"/>
+              </a:spcBef>
+              <a:spcAft>
+                <a:spcPts val="0"/>
+              </a:spcAft>
+              <a:buNone/>
+            </a:pPr>
+            <a:r>
+              <a:rPr lang="en" sz="2200" b="1" dirty="0">
+                <a:solidFill>
+                  <a:schemeClr val="dk1"/>
+                </a:solidFill>
+              </a:rPr>
+              <a:t>Thank you!</a:t>
+            </a:r>
+            <a:endParaRPr sz="2200" b="1" dirty="0">
+              <a:solidFill>
+                <a:schemeClr val="dk1"/>
+              </a:solidFill>
+            </a:endParaRPr>
+          </a:p>
+        </p:txBody>
+      </p:sp>
+      <p:sp>
+        <p:nvSpPr>
+          <p:cNvPr id="338" name="Google Shape;338;p34"/>
+          <p:cNvSpPr txBox="1">
+            <a:spLocks noGrp="1"/>
+          </p:cNvSpPr>
+          <p:nvPr>
+            <p:ph type="sldNum" idx="12"/>
+          </p:nvPr>
+        </p:nvSpPr>
+        <p:spPr>
+          <a:xfrm>
+            <a:off x="8523157" y="4752131"/>
+            <a:ext cx="548700" cy="315300"/>
+          </a:xfrm>
+          <a:prstGeom prst="rect">
+            <a:avLst/>
+          </a:prstGeom>
+        </p:spPr>
+        <p:txBody>
+          <a:bodyPr spcFirstLastPara="1" wrap="square" lIns="91425" tIns="91425" rIns="91425" bIns="91425" anchor="t" anchorCtr="0">
+            <a:noAutofit/>
+          </a:bodyPr>
+          <a:lstStyle/>
+          <a:p>
+            <a:pPr marL="0" lvl="0" indent="0" algn="r" rtl="0">
+              <a:spcBef>
+                <a:spcPts val="0"/>
+              </a:spcBef>
+              <a:spcAft>
+                <a:spcPts val="0"/>
+              </a:spcAft>
+              <a:buNone/>
+            </a:pPr>
+            <a:fld id="{00000000-1234-1234-1234-123412341234}" type="slidenum">
+              <a:rPr lang="en"/>
+              <a:t>9</a:t>
+            </a:fld>
+            <a:endParaRPr/>
+          </a:p>
+        </p:txBody>
+      </p:sp>
+    </p:spTree>
+    <p:custDataLst>
+      <p:tags r:id="rId1"/>
+    </p:custDataLst>
+  </p:cSld>
+  <p:clrMapOvr>
+    <a:masterClrMapping/>
+  </p:clrMapOvr>
+  <p:transition spd="slow" advTm="3798">
+    <p:push dir="u"/>
+  </p:transition>
+  <p:timing>
+    <p:tnLst>
+      <p:par>
+        <p:cTn id="1" dur="indefinite" restart="never" nodeType="tmRoot">
+          <p:childTnLst>
+            <p:seq concurrent="1" nextAc="seek">
+              <p:cTn id="2" dur="indefinite" nodeType="mainSeq">
+                <p:childTnLst>
+                  <p:par>
+                    <p:cTn id="3" fill="hold">
+                      <p:stCondLst>
+                        <p:cond delay="indefinite"/>
+                      </p:stCondLst>
+                      <p:childTnLst>
+                        <p:par>
+                          <p:cTn id="4" fill="hold">
+                            <p:stCondLst>
+                              <p:cond delay="0"/>
+                            </p:stCondLst>
+                            <p:childTnLst>
+                              <p:par>
+                                <p:cTn id="5" presetID="53" presetClass="entr" presetSubtype="16" fill="hold" grpId="0" nodeType="clickEffect">
+                                  <p:stCondLst>
+                                    <p:cond delay="0"/>
+                                  </p:stCondLst>
+                                  <p:childTnLst>
+                                    <p:set>
+                                      <p:cBhvr>
+                                        <p:cTn id="6" dur="1" fill="hold">
+                                          <p:stCondLst>
+                                            <p:cond delay="0"/>
+                                          </p:stCondLst>
+                                        </p:cTn>
+                                        <p:tgtEl>
+                                          <p:spTgt spid="335"/>
+                                        </p:tgtEl>
+                                        <p:attrNameLst>
+                                          <p:attrName>style.visibility</p:attrName>
+                                        </p:attrNameLst>
+                                      </p:cBhvr>
+                                      <p:to>
+                                        <p:strVal val="visible"/>
+                                      </p:to>
+                                    </p:set>
+                                    <p:anim calcmode="lin" valueType="num">
+                                      <p:cBhvr>
+                                        <p:cTn id="7" dur="500" fill="hold"/>
+                                        <p:tgtEl>
+                                          <p:spTgt spid="335"/>
+                                        </p:tgtEl>
+                                        <p:attrNameLst>
+                                          <p:attrName>ppt_w</p:attrName>
+                                        </p:attrNameLst>
+                                      </p:cBhvr>
+                                      <p:tavLst>
+                                        <p:tav tm="0">
+                                          <p:val>
+                                            <p:fltVal val="0"/>
+                                          </p:val>
+                                        </p:tav>
+                                        <p:tav tm="100000">
+                                          <p:val>
+                                            <p:strVal val="#ppt_w"/>
+                                          </p:val>
+                                        </p:tav>
+                                      </p:tavLst>
+                                    </p:anim>
+                                    <p:anim calcmode="lin" valueType="num">
+                                      <p:cBhvr>
+                                        <p:cTn id="8" dur="500" fill="hold"/>
+                                        <p:tgtEl>
+                                          <p:spTgt spid="335"/>
+                                        </p:tgtEl>
+                                        <p:attrNameLst>
+                                          <p:attrName>ppt_h</p:attrName>
+                                        </p:attrNameLst>
+                                      </p:cBhvr>
+                                      <p:tavLst>
+                                        <p:tav tm="0">
+                                          <p:val>
+                                            <p:fltVal val="0"/>
+                                          </p:val>
+                                        </p:tav>
+                                        <p:tav tm="100000">
+                                          <p:val>
+                                            <p:strVal val="#ppt_h"/>
+                                          </p:val>
+                                        </p:tav>
+                                      </p:tavLst>
+                                    </p:anim>
+                                    <p:animEffect transition="in" filter="fade">
+                                      <p:cBhvr>
+                                        <p:cTn id="9" dur="500"/>
+                                        <p:tgtEl>
+                                          <p:spTgt spid="335"/>
+                                        </p:tgtEl>
+                                      </p:cBhvr>
+                                    </p:animEffect>
+                                  </p:childTnLst>
+                                </p:cTn>
+                              </p:par>
+                            </p:childTnLst>
+                          </p:cTn>
+                        </p:par>
+                      </p:childTnLst>
+                    </p:cTn>
+                  </p:par>
+                </p:childTnLst>
+              </p:cTn>
+              <p:prevCondLst>
+                <p:cond evt="onPrev" delay="0">
+                  <p:tgtEl>
+                    <p:sldTgt/>
+                  </p:tgtEl>
+                </p:cond>
+              </p:prevCondLst>
+              <p:nextCondLst>
+                <p:cond evt="onNext" delay="0">
+                  <p:tgtEl>
+                    <p:sldTgt/>
+                  </p:tgtEl>
+                </p:cond>
+              </p:nextCondLst>
+            </p:seq>
+          </p:childTnLst>
+        </p:cTn>
+      </p:par>
+    </p:tnLst>
+    <p:bldLst>
+      <p:bldP spid="335" grpId="0"/>
+    </p:bldLst>
+  </p:timing>
+</p:sld>
+</file>
+
 <file path=ppt/tags/tag1.xml><?xml version="1.0" encoding="utf-8"?>
 <p:tagLst xmlns:a="http://schemas.openxmlformats.org/drawingml/2006/main" xmlns:r="http://schemas.openxmlformats.org/officeDocument/2006/relationships" xmlns:p="http://schemas.openxmlformats.org/presentationml/2006/main">
   <p:tag name="TIMING" val="|1.3|1.5"/>
-</p:tagLst>
-</file>
-
-<file path=ppt/tags/tag10.xml><?xml version="1.0" encoding="utf-8"?>
-<p:tagLst xmlns:a="http://schemas.openxmlformats.org/drawingml/2006/main" xmlns:r="http://schemas.openxmlformats.org/officeDocument/2006/relationships" xmlns:p="http://schemas.openxmlformats.org/presentationml/2006/main">
-  <p:tag name="TIMING" val="|1.2|1.1"/>
 </p:tagLst>
 </file>
 
@@ -11693,13 +11136,13 @@
 
 <file path=ppt/tags/tag3.xml><?xml version="1.0" encoding="utf-8"?>
 <p:tagLst xmlns:a="http://schemas.openxmlformats.org/drawingml/2006/main" xmlns:r="http://schemas.openxmlformats.org/officeDocument/2006/relationships" xmlns:p="http://schemas.openxmlformats.org/presentationml/2006/main">
-  <p:tag name="TIMING" val="|1.3|1.5"/>
+  <p:tag name="TIMING" val="|1.5|2|1.4|1.3"/>
 </p:tagLst>
 </file>
 
 <file path=ppt/tags/tag4.xml><?xml version="1.0" encoding="utf-8"?>
 <p:tagLst xmlns:a="http://schemas.openxmlformats.org/drawingml/2006/main" xmlns:r="http://schemas.openxmlformats.org/officeDocument/2006/relationships" xmlns:p="http://schemas.openxmlformats.org/presentationml/2006/main">
-  <p:tag name="TIMING" val="|1.5|2|1.4|1.3"/>
+  <p:tag name="TIMING" val="|0.7|1.7"/>
 </p:tagLst>
 </file>
 
@@ -11723,7 +11166,7 @@
 
 <file path=ppt/tags/tag8.xml><?xml version="1.0" encoding="utf-8"?>
 <p:tagLst xmlns:a="http://schemas.openxmlformats.org/drawingml/2006/main" xmlns:r="http://schemas.openxmlformats.org/officeDocument/2006/relationships" xmlns:p="http://schemas.openxmlformats.org/presentationml/2006/main">
-  <p:tag name="TIMING" val="|0.7|1.7"/>
+  <p:tag name="TIMING" val="|1.2|1.1"/>
 </p:tagLst>
 </file>
 
